--- a/BUPT_paper/企业移动协同云办公系统——工作圈的设计与实现.pptx
+++ b/BUPT_paper/企业移动协同云办公系统——工作圈的设计与实现.pptx
@@ -5,7 +5,7 @@
     <p:sldMasterId id="2147483648" r:id="rId1"/>
   </p:sldMasterIdLst>
   <p:notesMasterIdLst>
-    <p:notesMasterId r:id="rId22"/>
+    <p:notesMasterId r:id="rId23"/>
   </p:notesMasterIdLst>
   <p:sldIdLst>
     <p:sldId id="259" r:id="rId2"/>
@@ -26,8 +26,9 @@
     <p:sldId id="289" r:id="rId17"/>
     <p:sldId id="290" r:id="rId18"/>
     <p:sldId id="280" r:id="rId19"/>
-    <p:sldId id="273" r:id="rId20"/>
-    <p:sldId id="275" r:id="rId21"/>
+    <p:sldId id="291" r:id="rId20"/>
+    <p:sldId id="273" r:id="rId21"/>
+    <p:sldId id="275" r:id="rId22"/>
   </p:sldIdLst>
   <p:sldSz cx="12192000" cy="6858000"/>
   <p:notesSz cx="6858000" cy="9144000"/>
@@ -3203,6 +3204,13 @@
         </dgm:presLayoutVars>
       </dgm:prSet>
       <dgm:spPr/>
+      <dgm:t>
+        <a:bodyPr/>
+        <a:lstStyle/>
+        <a:p>
+          <a:endParaRPr lang="zh-CN" altLang="en-US"/>
+        </a:p>
+      </dgm:t>
     </dgm:pt>
     <dgm:pt modelId="{15645A4A-05CD-4A67-9028-0EDFB526E30E}" type="pres">
       <dgm:prSet presAssocID="{EDDD4F5A-6BDE-4C25-8CA2-BA8C2D0C595C}" presName="parentLin" presStyleCnt="0"/>
@@ -3211,6 +3219,13 @@
     <dgm:pt modelId="{162AE4B8-207F-4546-B17B-7C9AE4C03B21}" type="pres">
       <dgm:prSet presAssocID="{EDDD4F5A-6BDE-4C25-8CA2-BA8C2D0C595C}" presName="parentLeftMargin" presStyleLbl="node1" presStyleIdx="0" presStyleCnt="5"/>
       <dgm:spPr/>
+      <dgm:t>
+        <a:bodyPr/>
+        <a:lstStyle/>
+        <a:p>
+          <a:endParaRPr lang="zh-CN" altLang="en-US"/>
+        </a:p>
+      </dgm:t>
     </dgm:pt>
     <dgm:pt modelId="{1BFF7892-6886-4BA9-8AA6-B46FC77BF9B7}" type="pres">
       <dgm:prSet presAssocID="{EDDD4F5A-6BDE-4C25-8CA2-BA8C2D0C595C}" presName="parentText" presStyleLbl="node1" presStyleIdx="0" presStyleCnt="5">
@@ -3251,6 +3266,13 @@
     <dgm:pt modelId="{D4FFDDF7-49B7-4BD7-8999-042205A78A06}" type="pres">
       <dgm:prSet presAssocID="{F61EDED0-7536-4E8E-8F45-C15EA58C3A35}" presName="parentLeftMargin" presStyleLbl="node1" presStyleIdx="0" presStyleCnt="5"/>
       <dgm:spPr/>
+      <dgm:t>
+        <a:bodyPr/>
+        <a:lstStyle/>
+        <a:p>
+          <a:endParaRPr lang="zh-CN" altLang="en-US"/>
+        </a:p>
+      </dgm:t>
     </dgm:pt>
     <dgm:pt modelId="{6768936D-6FA5-4FC9-BC12-C373C2D27031}" type="pres">
       <dgm:prSet presAssocID="{F61EDED0-7536-4E8E-8F45-C15EA58C3A35}" presName="parentText" presStyleLbl="node1" presStyleIdx="1" presStyleCnt="5">
@@ -3291,6 +3313,13 @@
     <dgm:pt modelId="{D5968F44-B60D-4BF2-A38B-206FE5DDB433}" type="pres">
       <dgm:prSet presAssocID="{9AC961F3-E8ED-41CB-A567-155FBF09A06B}" presName="parentLeftMargin" presStyleLbl="node1" presStyleIdx="1" presStyleCnt="5"/>
       <dgm:spPr/>
+      <dgm:t>
+        <a:bodyPr/>
+        <a:lstStyle/>
+        <a:p>
+          <a:endParaRPr lang="zh-CN" altLang="en-US"/>
+        </a:p>
+      </dgm:t>
     </dgm:pt>
     <dgm:pt modelId="{2FE06B6D-3593-4255-BCC2-8FEE45075FF1}" type="pres">
       <dgm:prSet presAssocID="{9AC961F3-E8ED-41CB-A567-155FBF09A06B}" presName="parentText" presStyleLbl="node1" presStyleIdx="2" presStyleCnt="5">
@@ -3338,6 +3367,13 @@
     <dgm:pt modelId="{E0947531-8B84-428E-86B6-727A533F98C3}" type="pres">
       <dgm:prSet presAssocID="{E99A27B5-F5BA-47A5-9209-2C260CD29C11}" presName="parentLeftMargin" presStyleLbl="node1" presStyleIdx="2" presStyleCnt="5"/>
       <dgm:spPr/>
+      <dgm:t>
+        <a:bodyPr/>
+        <a:lstStyle/>
+        <a:p>
+          <a:endParaRPr lang="zh-CN" altLang="en-US"/>
+        </a:p>
+      </dgm:t>
     </dgm:pt>
     <dgm:pt modelId="{46E0CBC0-1AA8-4C93-8C2B-17D66C209A5D}" type="pres">
       <dgm:prSet presAssocID="{E99A27B5-F5BA-47A5-9209-2C260CD29C11}" presName="parentText" presStyleLbl="node1" presStyleIdx="3" presStyleCnt="5">
@@ -3378,6 +3414,13 @@
     <dgm:pt modelId="{175811ED-8497-4C75-88BA-9C520327029D}" type="pres">
       <dgm:prSet presAssocID="{5BF470C4-2F77-4B5B-98F6-2D8ACCDC276C}" presName="parentLeftMargin" presStyleLbl="node1" presStyleIdx="3" presStyleCnt="5"/>
       <dgm:spPr/>
+      <dgm:t>
+        <a:bodyPr/>
+        <a:lstStyle/>
+        <a:p>
+          <a:endParaRPr lang="zh-CN" altLang="en-US"/>
+        </a:p>
+      </dgm:t>
     </dgm:pt>
     <dgm:pt modelId="{EF21D0FB-727E-453B-B89A-E2800D94660C}" type="pres">
       <dgm:prSet presAssocID="{5BF470C4-2F77-4B5B-98F6-2D8ACCDC276C}" presName="parentText" presStyleLbl="node1" presStyleIdx="4" presStyleCnt="5">
@@ -3409,22 +3452,22 @@
     </dgm:pt>
   </dgm:ptLst>
   <dgm:cxnLst>
+    <dgm:cxn modelId="{630721D1-FD75-4B74-9383-0C2EDC982764}" type="presOf" srcId="{5BF470C4-2F77-4B5B-98F6-2D8ACCDC276C}" destId="{175811ED-8497-4C75-88BA-9C520327029D}" srcOrd="0" destOrd="0" presId="urn:microsoft.com/office/officeart/2005/8/layout/list1"/>
+    <dgm:cxn modelId="{23721B8F-2D62-4C93-8FF3-182D2DF9877D}" type="presOf" srcId="{9AC961F3-E8ED-41CB-A567-155FBF09A06B}" destId="{2FE06B6D-3593-4255-BCC2-8FEE45075FF1}" srcOrd="1" destOrd="0" presId="urn:microsoft.com/office/officeart/2005/8/layout/list1"/>
+    <dgm:cxn modelId="{D7A0D6CE-BD6F-4D1A-9446-CA2FA068F992}" type="presOf" srcId="{C34DECD8-7145-4CF1-85AA-20B9FE3B1166}" destId="{149C9D7D-5C1F-40EF-AAEB-503FC1BA09F6}" srcOrd="0" destOrd="0" presId="urn:microsoft.com/office/officeart/2005/8/layout/list1"/>
+    <dgm:cxn modelId="{D4635AD6-54CC-47BA-A197-63CBD7036FB7}" srcId="{C34DECD8-7145-4CF1-85AA-20B9FE3B1166}" destId="{9AC961F3-E8ED-41CB-A567-155FBF09A06B}" srcOrd="2" destOrd="0" parTransId="{B1A1699C-AA03-4D0B-8318-FC6C678BCBBC}" sibTransId="{5F129AB1-40E8-41B3-81C5-02847FFBD8DB}"/>
+    <dgm:cxn modelId="{64E88ED3-4E4E-482D-8818-F7937BA3D793}" type="presOf" srcId="{E99A27B5-F5BA-47A5-9209-2C260CD29C11}" destId="{E0947531-8B84-428E-86B6-727A533F98C3}" srcOrd="0" destOrd="0" presId="urn:microsoft.com/office/officeart/2005/8/layout/list1"/>
+    <dgm:cxn modelId="{120CD4D4-BF86-41AB-B569-F69C037C2679}" srcId="{C34DECD8-7145-4CF1-85AA-20B9FE3B1166}" destId="{EDDD4F5A-6BDE-4C25-8CA2-BA8C2D0C595C}" srcOrd="0" destOrd="0" parTransId="{3BC4957A-A6EB-4830-9031-DA6C964A1F07}" sibTransId="{B413B136-AD46-4618-A228-1BF69B7B1CB9}"/>
+    <dgm:cxn modelId="{92AAD734-5E50-459B-BD95-6A6EEB581856}" srcId="{C34DECD8-7145-4CF1-85AA-20B9FE3B1166}" destId="{F61EDED0-7536-4E8E-8F45-C15EA58C3A35}" srcOrd="1" destOrd="0" parTransId="{51CDDB79-0B43-4075-A18C-60E02084CA6C}" sibTransId="{1B028650-61C4-4539-83A6-BF6946F1488B}"/>
+    <dgm:cxn modelId="{6C582170-C204-4A29-B494-74893A6C591E}" srcId="{C34DECD8-7145-4CF1-85AA-20B9FE3B1166}" destId="{E99A27B5-F5BA-47A5-9209-2C260CD29C11}" srcOrd="3" destOrd="0" parTransId="{3F96D989-B802-46E6-B36A-850ABC20CDD8}" sibTransId="{0512ACAC-4CF9-4711-8DE8-06B01791ED46}"/>
+    <dgm:cxn modelId="{CC7F0777-DB6E-4715-AE19-EFD4CA08651D}" type="presOf" srcId="{EDDD4F5A-6BDE-4C25-8CA2-BA8C2D0C595C}" destId="{162AE4B8-207F-4546-B17B-7C9AE4C03B21}" srcOrd="0" destOrd="0" presId="urn:microsoft.com/office/officeart/2005/8/layout/list1"/>
     <dgm:cxn modelId="{A7056B29-01F6-45A0-BA0E-012C624BFE1B}" type="presOf" srcId="{5BF470C4-2F77-4B5B-98F6-2D8ACCDC276C}" destId="{EF21D0FB-727E-453B-B89A-E2800D94660C}" srcOrd="1" destOrd="0" presId="urn:microsoft.com/office/officeart/2005/8/layout/list1"/>
-    <dgm:cxn modelId="{630721D1-FD75-4B74-9383-0C2EDC982764}" type="presOf" srcId="{5BF470C4-2F77-4B5B-98F6-2D8ACCDC276C}" destId="{175811ED-8497-4C75-88BA-9C520327029D}" srcOrd="0" destOrd="0" presId="urn:microsoft.com/office/officeart/2005/8/layout/list1"/>
+    <dgm:cxn modelId="{F2B46D8D-234E-4281-A61E-02A86AE90F57}" type="presOf" srcId="{E99A27B5-F5BA-47A5-9209-2C260CD29C11}" destId="{46E0CBC0-1AA8-4C93-8C2B-17D66C209A5D}" srcOrd="1" destOrd="0" presId="urn:microsoft.com/office/officeart/2005/8/layout/list1"/>
     <dgm:cxn modelId="{8C1CF670-5388-43D8-B83B-FE7D9A5E033F}" type="presOf" srcId="{EDDD4F5A-6BDE-4C25-8CA2-BA8C2D0C595C}" destId="{1BFF7892-6886-4BA9-8AA6-B46FC77BF9B7}" srcOrd="1" destOrd="0" presId="urn:microsoft.com/office/officeart/2005/8/layout/list1"/>
+    <dgm:cxn modelId="{68A254D8-B7C8-4898-ADFA-F56C125C6880}" srcId="{C34DECD8-7145-4CF1-85AA-20B9FE3B1166}" destId="{5BF470C4-2F77-4B5B-98F6-2D8ACCDC276C}" srcOrd="4" destOrd="0" parTransId="{3C908BCC-2756-431A-90C7-578146CF2EFC}" sibTransId="{1ABABAAF-A351-4BC7-8F38-727E899289DB}"/>
+    <dgm:cxn modelId="{1C316D84-BC73-4DE1-ADE9-73AF535636B5}" type="presOf" srcId="{F61EDED0-7536-4E8E-8F45-C15EA58C3A35}" destId="{6768936D-6FA5-4FC9-BC12-C373C2D27031}" srcOrd="1" destOrd="0" presId="urn:microsoft.com/office/officeart/2005/8/layout/list1"/>
+    <dgm:cxn modelId="{129340A0-FECE-4920-BCA2-0FA1B8B9AAD8}" type="presOf" srcId="{F61EDED0-7536-4E8E-8F45-C15EA58C3A35}" destId="{D4FFDDF7-49B7-4BD7-8999-042205A78A06}" srcOrd="0" destOrd="0" presId="urn:microsoft.com/office/officeart/2005/8/layout/list1"/>
     <dgm:cxn modelId="{C9FAEC70-4C3B-44E1-BA75-009B492D5C90}" type="presOf" srcId="{9AC961F3-E8ED-41CB-A567-155FBF09A06B}" destId="{D5968F44-B60D-4BF2-A38B-206FE5DDB433}" srcOrd="0" destOrd="0" presId="urn:microsoft.com/office/officeart/2005/8/layout/list1"/>
-    <dgm:cxn modelId="{F2B46D8D-234E-4281-A61E-02A86AE90F57}" type="presOf" srcId="{E99A27B5-F5BA-47A5-9209-2C260CD29C11}" destId="{46E0CBC0-1AA8-4C93-8C2B-17D66C209A5D}" srcOrd="1" destOrd="0" presId="urn:microsoft.com/office/officeart/2005/8/layout/list1"/>
-    <dgm:cxn modelId="{92AAD734-5E50-459B-BD95-6A6EEB581856}" srcId="{C34DECD8-7145-4CF1-85AA-20B9FE3B1166}" destId="{F61EDED0-7536-4E8E-8F45-C15EA58C3A35}" srcOrd="1" destOrd="0" parTransId="{51CDDB79-0B43-4075-A18C-60E02084CA6C}" sibTransId="{1B028650-61C4-4539-83A6-BF6946F1488B}"/>
-    <dgm:cxn modelId="{64E88ED3-4E4E-482D-8818-F7937BA3D793}" type="presOf" srcId="{E99A27B5-F5BA-47A5-9209-2C260CD29C11}" destId="{E0947531-8B84-428E-86B6-727A533F98C3}" srcOrd="0" destOrd="0" presId="urn:microsoft.com/office/officeart/2005/8/layout/list1"/>
-    <dgm:cxn modelId="{6C582170-C204-4A29-B494-74893A6C591E}" srcId="{C34DECD8-7145-4CF1-85AA-20B9FE3B1166}" destId="{E99A27B5-F5BA-47A5-9209-2C260CD29C11}" srcOrd="3" destOrd="0" parTransId="{3F96D989-B802-46E6-B36A-850ABC20CDD8}" sibTransId="{0512ACAC-4CF9-4711-8DE8-06B01791ED46}"/>
-    <dgm:cxn modelId="{120CD4D4-BF86-41AB-B569-F69C037C2679}" srcId="{C34DECD8-7145-4CF1-85AA-20B9FE3B1166}" destId="{EDDD4F5A-6BDE-4C25-8CA2-BA8C2D0C595C}" srcOrd="0" destOrd="0" parTransId="{3BC4957A-A6EB-4830-9031-DA6C964A1F07}" sibTransId="{B413B136-AD46-4618-A228-1BF69B7B1CB9}"/>
-    <dgm:cxn modelId="{68A254D8-B7C8-4898-ADFA-F56C125C6880}" srcId="{C34DECD8-7145-4CF1-85AA-20B9FE3B1166}" destId="{5BF470C4-2F77-4B5B-98F6-2D8ACCDC276C}" srcOrd="4" destOrd="0" parTransId="{3C908BCC-2756-431A-90C7-578146CF2EFC}" sibTransId="{1ABABAAF-A351-4BC7-8F38-727E899289DB}"/>
-    <dgm:cxn modelId="{23721B8F-2D62-4C93-8FF3-182D2DF9877D}" type="presOf" srcId="{9AC961F3-E8ED-41CB-A567-155FBF09A06B}" destId="{2FE06B6D-3593-4255-BCC2-8FEE45075FF1}" srcOrd="1" destOrd="0" presId="urn:microsoft.com/office/officeart/2005/8/layout/list1"/>
-    <dgm:cxn modelId="{1C316D84-BC73-4DE1-ADE9-73AF535636B5}" type="presOf" srcId="{F61EDED0-7536-4E8E-8F45-C15EA58C3A35}" destId="{6768936D-6FA5-4FC9-BC12-C373C2D27031}" srcOrd="1" destOrd="0" presId="urn:microsoft.com/office/officeart/2005/8/layout/list1"/>
-    <dgm:cxn modelId="{D4635AD6-54CC-47BA-A197-63CBD7036FB7}" srcId="{C34DECD8-7145-4CF1-85AA-20B9FE3B1166}" destId="{9AC961F3-E8ED-41CB-A567-155FBF09A06B}" srcOrd="2" destOrd="0" parTransId="{B1A1699C-AA03-4D0B-8318-FC6C678BCBBC}" sibTransId="{5F129AB1-40E8-41B3-81C5-02847FFBD8DB}"/>
-    <dgm:cxn modelId="{D7A0D6CE-BD6F-4D1A-9446-CA2FA068F992}" type="presOf" srcId="{C34DECD8-7145-4CF1-85AA-20B9FE3B1166}" destId="{149C9D7D-5C1F-40EF-AAEB-503FC1BA09F6}" srcOrd="0" destOrd="0" presId="urn:microsoft.com/office/officeart/2005/8/layout/list1"/>
-    <dgm:cxn modelId="{129340A0-FECE-4920-BCA2-0FA1B8B9AAD8}" type="presOf" srcId="{F61EDED0-7536-4E8E-8F45-C15EA58C3A35}" destId="{D4FFDDF7-49B7-4BD7-8999-042205A78A06}" srcOrd="0" destOrd="0" presId="urn:microsoft.com/office/officeart/2005/8/layout/list1"/>
-    <dgm:cxn modelId="{CC7F0777-DB6E-4715-AE19-EFD4CA08651D}" type="presOf" srcId="{EDDD4F5A-6BDE-4C25-8CA2-BA8C2D0C595C}" destId="{162AE4B8-207F-4546-B17B-7C9AE4C03B21}" srcOrd="0" destOrd="0" presId="urn:microsoft.com/office/officeart/2005/8/layout/list1"/>
     <dgm:cxn modelId="{87C92AEA-3167-456B-87FD-2563D39637DD}" type="presParOf" srcId="{149C9D7D-5C1F-40EF-AAEB-503FC1BA09F6}" destId="{15645A4A-05CD-4A67-9028-0EDFB526E30E}" srcOrd="0" destOrd="0" presId="urn:microsoft.com/office/officeart/2005/8/layout/list1"/>
     <dgm:cxn modelId="{ABB605DB-B45A-4861-BF2B-06DBC293BA0E}" type="presParOf" srcId="{15645A4A-05CD-4A67-9028-0EDFB526E30E}" destId="{162AE4B8-207F-4546-B17B-7C9AE4C03B21}" srcOrd="0" destOrd="0" presId="urn:microsoft.com/office/officeart/2005/8/layout/list1"/>
     <dgm:cxn modelId="{C894A9C1-85FE-496F-9767-335F71838432}" type="presParOf" srcId="{15645A4A-05CD-4A67-9028-0EDFB526E30E}" destId="{1BFF7892-6886-4BA9-8AA6-B46FC77BF9B7}" srcOrd="1" destOrd="0" presId="urn:microsoft.com/office/officeart/2005/8/layout/list1"/>
@@ -3501,14 +3544,6 @@
             </a:rPr>
             <a:t>平台化的服务</a:t>
           </a:r>
-          <a:endParaRPr lang="zh-CN" altLang="en-US" sz="2400" b="1" dirty="0" smtClean="0">
-            <a:solidFill>
-              <a:schemeClr val="bg1"/>
-            </a:solidFill>
-            <a:latin typeface="微软雅黑" panose="020B0503020204020204" pitchFamily="34" charset="-122"/>
-            <a:ea typeface="微软雅黑" panose="020B0503020204020204" pitchFamily="34" charset="-122"/>
-            <a:cs typeface="Arial Unicode MS" panose="020B0604020202020204" pitchFamily="34" charset="-122"/>
-          </a:endParaRPr>
         </a:p>
       </dgm:t>
     </dgm:pt>
@@ -5313,14 +5348,6 @@
             </a:rPr>
             <a:t>平台化的服务</a:t>
           </a:r>
-          <a:endParaRPr lang="zh-CN" altLang="en-US" sz="2400" b="1" kern="1200" dirty="0" smtClean="0">
-            <a:solidFill>
-              <a:schemeClr val="bg1"/>
-            </a:solidFill>
-            <a:latin typeface="微软雅黑" panose="020B0503020204020204" pitchFamily="34" charset="-122"/>
-            <a:ea typeface="微软雅黑" panose="020B0503020204020204" pitchFamily="34" charset="-122"/>
-            <a:cs typeface="Arial Unicode MS" panose="020B0604020202020204" pitchFamily="34" charset="-122"/>
-          </a:endParaRPr>
         </a:p>
       </dsp:txBody>
       <dsp:txXfrm>
@@ -10511,7 +10538,7 @@
             <a:fld id="{E26F4BAD-8F7F-4093-A359-997C296540D2}" type="datetimeFigureOut">
               <a:rPr lang="zh-CN" altLang="en-US" smtClean="0"/>
               <a:pPr/>
-              <a:t>2016/9/7</a:t>
+              <a:t>2016/9/8</a:t>
             </a:fld>
             <a:endParaRPr lang="zh-CN" altLang="en-US" dirty="0"/>
           </a:p>
@@ -11943,7 +11970,7 @@
             <a:fld id="{F2EAC639-8067-4FC7-9A1A-8A14B8E85D8F}" type="datetimeFigureOut">
               <a:rPr lang="zh-CN" altLang="en-US" smtClean="0"/>
               <a:pPr/>
-              <a:t>2016/9/7</a:t>
+              <a:t>2016/9/8</a:t>
             </a:fld>
             <a:endParaRPr lang="zh-CN" altLang="en-US"/>
           </a:p>
@@ -12115,7 +12142,7 @@
             <a:fld id="{F2EAC639-8067-4FC7-9A1A-8A14B8E85D8F}" type="datetimeFigureOut">
               <a:rPr lang="zh-CN" altLang="en-US" smtClean="0"/>
               <a:pPr/>
-              <a:t>2016/9/7</a:t>
+              <a:t>2016/9/8</a:t>
             </a:fld>
             <a:endParaRPr lang="zh-CN" altLang="en-US"/>
           </a:p>
@@ -12297,7 +12324,7 @@
             <a:fld id="{F2EAC639-8067-4FC7-9A1A-8A14B8E85D8F}" type="datetimeFigureOut">
               <a:rPr lang="zh-CN" altLang="en-US" smtClean="0"/>
               <a:pPr/>
-              <a:t>2016/9/7</a:t>
+              <a:t>2016/9/8</a:t>
             </a:fld>
             <a:endParaRPr lang="zh-CN" altLang="en-US"/>
           </a:p>
@@ -12469,7 +12496,7 @@
             <a:fld id="{F2EAC639-8067-4FC7-9A1A-8A14B8E85D8F}" type="datetimeFigureOut">
               <a:rPr lang="zh-CN" altLang="en-US" smtClean="0"/>
               <a:pPr/>
-              <a:t>2016/9/7</a:t>
+              <a:t>2016/9/8</a:t>
             </a:fld>
             <a:endParaRPr lang="zh-CN" altLang="en-US"/>
           </a:p>
@@ -12717,7 +12744,7 @@
             <a:fld id="{F2EAC639-8067-4FC7-9A1A-8A14B8E85D8F}" type="datetimeFigureOut">
               <a:rPr lang="zh-CN" altLang="en-US" smtClean="0"/>
               <a:pPr/>
-              <a:t>2016/9/7</a:t>
+              <a:t>2016/9/8</a:t>
             </a:fld>
             <a:endParaRPr lang="zh-CN" altLang="en-US"/>
           </a:p>
@@ -12951,7 +12978,7 @@
             <a:fld id="{F2EAC639-8067-4FC7-9A1A-8A14B8E85D8F}" type="datetimeFigureOut">
               <a:rPr lang="zh-CN" altLang="en-US" smtClean="0"/>
               <a:pPr/>
-              <a:t>2016/9/7</a:t>
+              <a:t>2016/9/8</a:t>
             </a:fld>
             <a:endParaRPr lang="zh-CN" altLang="en-US"/>
           </a:p>
@@ -13320,7 +13347,7 @@
             <a:fld id="{F2EAC639-8067-4FC7-9A1A-8A14B8E85D8F}" type="datetimeFigureOut">
               <a:rPr lang="zh-CN" altLang="en-US" smtClean="0"/>
               <a:pPr/>
-              <a:t>2016/9/7</a:t>
+              <a:t>2016/9/8</a:t>
             </a:fld>
             <a:endParaRPr lang="zh-CN" altLang="en-US"/>
           </a:p>
@@ -13440,7 +13467,7 @@
             <a:fld id="{F2EAC639-8067-4FC7-9A1A-8A14B8E85D8F}" type="datetimeFigureOut">
               <a:rPr lang="zh-CN" altLang="en-US" smtClean="0"/>
               <a:pPr/>
-              <a:t>2016/9/7</a:t>
+              <a:t>2016/9/8</a:t>
             </a:fld>
             <a:endParaRPr lang="zh-CN" altLang="en-US"/>
           </a:p>
@@ -13537,7 +13564,7 @@
             <a:fld id="{F2EAC639-8067-4FC7-9A1A-8A14B8E85D8F}" type="datetimeFigureOut">
               <a:rPr lang="zh-CN" altLang="en-US" smtClean="0"/>
               <a:pPr/>
-              <a:t>2016/9/7</a:t>
+              <a:t>2016/9/8</a:t>
             </a:fld>
             <a:endParaRPr lang="zh-CN" altLang="en-US"/>
           </a:p>
@@ -13816,7 +13843,7 @@
             <a:fld id="{F2EAC639-8067-4FC7-9A1A-8A14B8E85D8F}" type="datetimeFigureOut">
               <a:rPr lang="zh-CN" altLang="en-US" smtClean="0"/>
               <a:pPr/>
-              <a:t>2016/9/7</a:t>
+              <a:t>2016/9/8</a:t>
             </a:fld>
             <a:endParaRPr lang="zh-CN" altLang="en-US"/>
           </a:p>
@@ -14071,7 +14098,7 @@
             <a:fld id="{F2EAC639-8067-4FC7-9A1A-8A14B8E85D8F}" type="datetimeFigureOut">
               <a:rPr lang="zh-CN" altLang="en-US" smtClean="0"/>
               <a:pPr/>
-              <a:t>2016/9/7</a:t>
+              <a:t>2016/9/8</a:t>
             </a:fld>
             <a:endParaRPr lang="zh-CN" altLang="en-US"/>
           </a:p>
@@ -14288,7 +14315,7 @@
             <a:fld id="{F2EAC639-8067-4FC7-9A1A-8A14B8E85D8F}" type="datetimeFigureOut">
               <a:rPr lang="zh-CN" altLang="en-US" smtClean="0"/>
               <a:pPr/>
-              <a:t>2016/9/7</a:t>
+              <a:t>2016/9/8</a:t>
             </a:fld>
             <a:endParaRPr lang="zh-CN" altLang="en-US" dirty="0"/>
           </a:p>
@@ -14828,12 +14855,6 @@
               </a:rPr>
               <a:t>工作圈的设计与实现</a:t>
             </a:r>
-            <a:endParaRPr lang="zh-CN" altLang="en-US" sz="3200" b="1" dirty="0">
-              <a:solidFill>
-                <a:srgbClr val="FAFAFA"/>
-              </a:solidFill>
-              <a:latin typeface="微软雅黑" panose="020B0503020204020204" pitchFamily="34" charset="-122"/>
-            </a:endParaRPr>
           </a:p>
         </p:txBody>
       </p:sp>
@@ -16168,11 +16189,6 @@
               </a:rPr>
               <a:t>系统功能需求分析</a:t>
             </a:r>
-            <a:endParaRPr lang="zh-CN" altLang="en-US" sz="3600" dirty="0">
-              <a:solidFill>
-                <a:schemeClr val="bg1"/>
-              </a:solidFill>
-            </a:endParaRPr>
           </a:p>
         </p:txBody>
       </p:sp>
@@ -16785,11 +16801,6 @@
               </a:rPr>
               <a:t>系统功能需求分析</a:t>
             </a:r>
-            <a:endParaRPr lang="zh-CN" altLang="en-US" sz="3600" dirty="0">
-              <a:solidFill>
-                <a:schemeClr val="bg1"/>
-              </a:solidFill>
-            </a:endParaRPr>
           </a:p>
         </p:txBody>
       </p:sp>
@@ -18937,7 +18948,7 @@
           <a:graphicData uri="http://schemas.openxmlformats.org/presentationml/2006/ole">
             <mc:AlternateContent xmlns:mc="http://schemas.openxmlformats.org/markup-compatibility/2006">
               <mc:Choice xmlns:v="urn:schemas-microsoft-com:vml" Requires="v">
-                <p:oleObj spid="_x0000_s2056" name="Visio" r:id="rId4" imgW="6455467" imgH="3153524" progId="Visio.Drawing.11">
+                <p:oleObj spid="_x0000_s2058" name="Visio" r:id="rId4" imgW="6455467" imgH="3153524" progId="Visio.Drawing.11">
                   <p:embed/>
                 </p:oleObj>
               </mc:Choice>
@@ -19561,7 +19572,7 @@
           <a:graphicData uri="http://schemas.openxmlformats.org/presentationml/2006/ole">
             <mc:AlternateContent xmlns:mc="http://schemas.openxmlformats.org/markup-compatibility/2006">
               <mc:Choice xmlns:v="urn:schemas-microsoft-com:vml" Requires="v">
-                <p:oleObj spid="_x0000_s3078" name="Visio" r:id="rId4" imgW="6131662" imgH="8487314" progId="Visio.Drawing.11">
+                <p:oleObj spid="_x0000_s3080" name="Visio" r:id="rId4" imgW="6131662" imgH="8487314" progId="Visio.Drawing.11">
                   <p:embed/>
                 </p:oleObj>
               </mc:Choice>
@@ -20448,8 +20459,8 @@
         </p:nvSpPr>
         <p:spPr>
           <a:xfrm>
-            <a:off x="1339693" y="-33680"/>
-            <a:ext cx="3118339" cy="1200325"/>
+            <a:off x="1339694" y="-33680"/>
+            <a:ext cx="1963946" cy="1200325"/>
           </a:xfrm>
           <a:prstGeom prst="rect">
             <a:avLst/>
@@ -20464,14 +20475,20 @@
           <a:p>
             <a:pPr algn="ctr"/>
             <a:r>
-              <a:rPr lang="zh-CN" altLang="en-US" sz="3600" dirty="0">
+              <a:rPr lang="zh-CN" altLang="en-US" sz="3600" dirty="0" smtClean="0">
                 <a:solidFill>
                   <a:srgbClr val="FAFAFA"/>
                 </a:solidFill>
                 <a:latin typeface="微软雅黑" panose="020B0503020204020204" pitchFamily="34" charset="-122"/>
               </a:rPr>
-              <a:t>总结与展望</a:t>
+              <a:t>总结</a:t>
             </a:r>
+            <a:endParaRPr lang="zh-CN" altLang="en-US" sz="3600" dirty="0">
+              <a:solidFill>
+                <a:srgbClr val="FAFAFA"/>
+              </a:solidFill>
+              <a:latin typeface="微软雅黑" panose="020B0503020204020204" pitchFamily="34" charset="-122"/>
+            </a:endParaRPr>
           </a:p>
           <a:p>
             <a:pPr algn="ctr"/>
@@ -20485,28 +20502,6 @@
           </a:p>
         </p:txBody>
       </p:sp>
-      <p:graphicFrame>
-        <p:nvGraphicFramePr>
-          <p:cNvPr id="7" name="图示 6"/>
-          <p:cNvGraphicFramePr/>
-          <p:nvPr>
-            <p:extLst>
-              <p:ext uri="{D42A27DB-BD31-4B8C-83A1-F6EECF244321}">
-                <p14:modId xmlns:p14="http://schemas.microsoft.com/office/powerpoint/2010/main" val="615823278"/>
-              </p:ext>
-            </p:extLst>
-          </p:nvPr>
-        </p:nvGraphicFramePr>
-        <p:xfrm>
-          <a:off x="1633871" y="1373660"/>
-          <a:ext cx="9204263" cy="5037223"/>
-        </p:xfrm>
-        <a:graphic>
-          <a:graphicData uri="http://schemas.openxmlformats.org/drawingml/2006/diagram">
-            <dgm:relIds xmlns:dgm="http://schemas.openxmlformats.org/drawingml/2006/diagram" xmlns:r="http://schemas.openxmlformats.org/officeDocument/2006/relationships" r:dm="rId2" r:lo="rId3" r:qs="rId4" r:cs="rId5"/>
-          </a:graphicData>
-        </a:graphic>
-      </p:graphicFrame>
       <p:grpSp>
         <p:nvGrpSpPr>
           <p:cNvPr id="8" name="组合 3"/>
@@ -20629,10 +20624,188 @@
           </p:txBody>
         </p:sp>
       </p:grpSp>
+      <p:sp>
+        <p:nvSpPr>
+          <p:cNvPr id="4" name="矩形 3"/>
+          <p:cNvSpPr/>
+          <p:nvPr/>
+        </p:nvSpPr>
+        <p:spPr>
+          <a:xfrm>
+            <a:off x="1947314" y="1229278"/>
+            <a:ext cx="8494544" cy="4708981"/>
+          </a:xfrm>
+          <a:prstGeom prst="rect">
+            <a:avLst/>
+          </a:prstGeom>
+        </p:spPr>
+        <p:txBody>
+          <a:bodyPr wrap="square">
+            <a:spAutoFit/>
+          </a:bodyPr>
+          <a:lstStyle/>
+          <a:p>
+            <a:r>
+              <a:rPr lang="zh-CN" altLang="en-US" sz="2000" dirty="0">
+                <a:solidFill>
+                  <a:srgbClr val="000000"/>
+                </a:solidFill>
+              </a:rPr>
+              <a:t> 工作圈是一款免费的企业移动办公平台，提供企业通讯录、审批、报销、借款、请假、任务、外勤签到、工作报告、电话会议等企业互联网应用，通过独有的圈子模式帮助小微企业简化工作流程、提高沟通协作效率。</a:t>
+            </a:r>
+            <a:endParaRPr lang="en-US" altLang="zh-CN" sz="2000" dirty="0">
+              <a:solidFill>
+                <a:srgbClr val="000000"/>
+              </a:solidFill>
+            </a:endParaRPr>
+          </a:p>
+          <a:p>
+            <a:endParaRPr lang="zh-CN" altLang="en-US" sz="2000" dirty="0">
+              <a:solidFill>
+                <a:srgbClr val="000000"/>
+              </a:solidFill>
+            </a:endParaRPr>
+          </a:p>
+          <a:p>
+            <a:r>
+              <a:rPr lang="zh-CN" altLang="en-US" sz="2000" dirty="0">
+                <a:solidFill>
+                  <a:srgbClr val="000000"/>
+                </a:solidFill>
+              </a:rPr>
+              <a:t>价值</a:t>
+            </a:r>
+            <a:r>
+              <a:rPr lang="zh-CN" altLang="en-US" sz="2000" dirty="0" smtClean="0">
+                <a:solidFill>
+                  <a:srgbClr val="000000"/>
+                </a:solidFill>
+              </a:rPr>
+              <a:t>：</a:t>
+            </a:r>
+            <a:endParaRPr lang="en-US" altLang="zh-CN" sz="2000" dirty="0" smtClean="0">
+              <a:solidFill>
+                <a:srgbClr val="000000"/>
+              </a:solidFill>
+            </a:endParaRPr>
+          </a:p>
+          <a:p>
+            <a:r>
+              <a:rPr lang="en-US" altLang="zh-CN" sz="2000" dirty="0">
+                <a:solidFill>
+                  <a:srgbClr val="000000"/>
+                </a:solidFill>
+              </a:rPr>
+              <a:t> </a:t>
+            </a:r>
+            <a:r>
+              <a:rPr lang="en-US" altLang="zh-CN" sz="2000" dirty="0" smtClean="0">
+                <a:solidFill>
+                  <a:srgbClr val="000000"/>
+                </a:solidFill>
+              </a:rPr>
+              <a:t>    </a:t>
+            </a:r>
+            <a:r>
+              <a:rPr lang="zh-CN" altLang="en-US" sz="2000" dirty="0" smtClean="0">
+                <a:solidFill>
+                  <a:srgbClr val="000000"/>
+                </a:solidFill>
+              </a:rPr>
+              <a:t>工作</a:t>
+            </a:r>
+            <a:r>
+              <a:rPr lang="zh-CN" altLang="en-US" sz="2000" dirty="0">
+                <a:solidFill>
+                  <a:srgbClr val="000000"/>
+                </a:solidFill>
+              </a:rPr>
+              <a:t>更轻松</a:t>
+            </a:r>
+          </a:p>
+          <a:p>
+            <a:r>
+              <a:rPr lang="zh-CN" altLang="en-US" sz="2000" dirty="0">
+                <a:solidFill>
+                  <a:srgbClr val="000000"/>
+                </a:solidFill>
+              </a:rPr>
+              <a:t>     工作圈提供了丰富的办公轻应用，满足多样的工作协同 需求，通过与第三方开发者合作，未来将会提供更多的应用与服务。</a:t>
+            </a:r>
+            <a:endParaRPr lang="en-US" altLang="zh-CN" sz="2000" dirty="0">
+              <a:solidFill>
+                <a:srgbClr val="000000"/>
+              </a:solidFill>
+            </a:endParaRPr>
+          </a:p>
+          <a:p>
+            <a:endParaRPr lang="zh-CN" altLang="en-US" sz="2000" dirty="0">
+              <a:solidFill>
+                <a:srgbClr val="000000"/>
+              </a:solidFill>
+            </a:endParaRPr>
+          </a:p>
+          <a:p>
+            <a:pPr lvl="1"/>
+            <a:r>
+              <a:rPr lang="zh-CN" altLang="en-US" sz="2000" dirty="0">
+                <a:solidFill>
+                  <a:srgbClr val="000000"/>
+                </a:solidFill>
+              </a:rPr>
+              <a:t>协作更高效</a:t>
+            </a:r>
+          </a:p>
+          <a:p>
+            <a:r>
+              <a:rPr lang="zh-CN" altLang="en-US" sz="2000" dirty="0">
+                <a:solidFill>
+                  <a:srgbClr val="000000"/>
+                </a:solidFill>
+              </a:rPr>
+              <a:t>     工作圈提供了强大的群组沟通服务，聊天记录多端同步，永不删除。</a:t>
+            </a:r>
+            <a:endParaRPr lang="en-US" altLang="zh-CN" sz="2000" dirty="0">
+              <a:solidFill>
+                <a:srgbClr val="000000"/>
+              </a:solidFill>
+            </a:endParaRPr>
+          </a:p>
+          <a:p>
+            <a:endParaRPr lang="zh-CN" altLang="en-US" sz="2000" dirty="0">
+              <a:solidFill>
+                <a:srgbClr val="000000"/>
+              </a:solidFill>
+            </a:endParaRPr>
+          </a:p>
+          <a:p>
+            <a:pPr lvl="1"/>
+            <a:r>
+              <a:rPr lang="zh-CN" altLang="en-US" sz="2000" dirty="0">
+                <a:solidFill>
+                  <a:srgbClr val="000000"/>
+                </a:solidFill>
+              </a:rPr>
+              <a:t>管理更简单</a:t>
+            </a:r>
+          </a:p>
+          <a:p>
+            <a:r>
+              <a:rPr lang="zh-CN" altLang="en-US" sz="2000" dirty="0">
+                <a:solidFill>
+                  <a:srgbClr val="000000"/>
+                </a:solidFill>
+              </a:rPr>
+              <a:t>     工作圈独有的圈子功能，提供给员工更方便的交流、学习、互动平台，公司组织扁平化，人人都是主人翁。</a:t>
+            </a:r>
+            <a:endParaRPr lang="zh-CN" altLang="en-US" sz="2000" dirty="0"/>
+          </a:p>
+        </p:txBody>
+      </p:sp>
     </p:spTree>
     <p:extLst>
       <p:ext uri="{BB962C8B-B14F-4D97-AF65-F5344CB8AC3E}">
-        <p14:creationId xmlns:p14="http://schemas.microsoft.com/office/powerpoint/2010/main" val="2855359195"/>
+        <p14:creationId xmlns:p14="http://schemas.microsoft.com/office/powerpoint/2010/main" val="3700496332"/>
       </p:ext>
     </p:extLst>
   </p:cSld>
@@ -20650,82 +20823,9 @@
   <p:timing>
     <p:tnLst>
       <p:par>
-        <p:cTn id="1" dur="indefinite" restart="never" nodeType="tmRoot">
-          <p:childTnLst>
-            <p:seq concurrent="1" nextAc="seek">
-              <p:cTn id="2" dur="indefinite" nodeType="mainSeq">
-                <p:childTnLst>
-                  <p:par>
-                    <p:cTn id="3" fill="hold">
-                      <p:stCondLst>
-                        <p:cond delay="indefinite"/>
-                      </p:stCondLst>
-                      <p:childTnLst>
-                        <p:par>
-                          <p:cTn id="4" fill="hold">
-                            <p:stCondLst>
-                              <p:cond delay="0"/>
-                            </p:stCondLst>
-                            <p:childTnLst>
-                              <p:par>
-                                <p:cTn id="5" presetID="1" presetClass="entr" presetSubtype="0" fill="hold" grpId="0" nodeType="clickEffect">
-                                  <p:stCondLst>
-                                    <p:cond delay="0"/>
-                                  </p:stCondLst>
-                                  <p:childTnLst>
-                                    <p:set>
-                                      <p:cBhvr>
-                                        <p:cTn id="6" dur="1" fill="hold">
-                                          <p:stCondLst>
-                                            <p:cond delay="0"/>
-                                          </p:stCondLst>
-                                        </p:cTn>
-                                        <p:tgtEl>
-                                          <p:spTgt spid="7"/>
-                                        </p:tgtEl>
-                                        <p:attrNameLst>
-                                          <p:attrName>style.visibility</p:attrName>
-                                        </p:attrNameLst>
-                                      </p:cBhvr>
-                                      <p:to>
-                                        <p:strVal val="visible"/>
-                                      </p:to>
-                                    </p:set>
-                                  </p:childTnLst>
-                                </p:cTn>
-                              </p:par>
-                            </p:childTnLst>
-                          </p:cTn>
-                        </p:par>
-                      </p:childTnLst>
-                    </p:cTn>
-                  </p:par>
-                </p:childTnLst>
-              </p:cTn>
-              <p:prevCondLst>
-                <p:cond evt="onPrev" delay="0">
-                  <p:tgtEl>
-                    <p:sldTgt/>
-                  </p:tgtEl>
-                </p:cond>
-              </p:prevCondLst>
-              <p:nextCondLst>
-                <p:cond evt="onNext" delay="0">
-                  <p:tgtEl>
-                    <p:sldTgt/>
-                  </p:tgtEl>
-                </p:cond>
-              </p:nextCondLst>
-            </p:seq>
-          </p:childTnLst>
-        </p:cTn>
+        <p:cTn id="1" dur="indefinite" restart="never" nodeType="tmRoot"/>
       </p:par>
     </p:tnLst>
-    <p:bldLst>
-      <p:bldGraphic spid="7" grpId="0">
-        <p:bldAsOne/>
-      </p:bldGraphic>
-    </p:bldLst>
   </p:timing>
 </p:sld>
 </file>
@@ -21592,6 +21692,370 @@
       </p:grpSpPr>
       <p:sp>
         <p:nvSpPr>
+          <p:cNvPr id="2" name="矩形 1"/>
+          <p:cNvSpPr/>
+          <p:nvPr/>
+        </p:nvSpPr>
+        <p:spPr>
+          <a:xfrm>
+            <a:off x="0" y="-11247"/>
+            <a:ext cx="12192000" cy="601464"/>
+          </a:xfrm>
+          <a:prstGeom prst="rect">
+            <a:avLst/>
+          </a:prstGeom>
+          <a:solidFill>
+            <a:schemeClr val="bg2">
+              <a:lumMod val="50000"/>
+            </a:schemeClr>
+          </a:solidFill>
+          <a:ln>
+            <a:noFill/>
+          </a:ln>
+        </p:spPr>
+        <p:style>
+          <a:lnRef idx="2">
+            <a:schemeClr val="accent1">
+              <a:shade val="50000"/>
+            </a:schemeClr>
+          </a:lnRef>
+          <a:fillRef idx="1">
+            <a:schemeClr val="accent1"/>
+          </a:fillRef>
+          <a:effectRef idx="0">
+            <a:schemeClr val="accent1"/>
+          </a:effectRef>
+          <a:fontRef idx="minor">
+            <a:schemeClr val="lt1"/>
+          </a:fontRef>
+        </p:style>
+        <p:txBody>
+          <a:bodyPr lIns="91436" tIns="45718" rIns="91436" bIns="45718" rtlCol="0" anchor="ctr"/>
+          <a:lstStyle/>
+          <a:p>
+            <a:pPr algn="ctr"/>
+            <a:endParaRPr lang="zh-CN" altLang="en-US" dirty="0">
+              <a:latin typeface="Arial" panose="020B0604020202020204" pitchFamily="34" charset="0"/>
+              <a:ea typeface="Adobe 黑体 Std R" panose="020B0400000000000000" pitchFamily="34" charset="-122"/>
+            </a:endParaRPr>
+          </a:p>
+        </p:txBody>
+      </p:sp>
+      <p:sp>
+        <p:nvSpPr>
+          <p:cNvPr id="3" name="文本框 2"/>
+          <p:cNvSpPr txBox="1"/>
+          <p:nvPr/>
+        </p:nvSpPr>
+        <p:spPr>
+          <a:xfrm>
+            <a:off x="1339694" y="-33680"/>
+            <a:ext cx="1963946" cy="1200325"/>
+          </a:xfrm>
+          <a:prstGeom prst="rect">
+            <a:avLst/>
+          </a:prstGeom>
+          <a:noFill/>
+        </p:spPr>
+        <p:txBody>
+          <a:bodyPr wrap="square" lIns="91436" tIns="45718" rIns="91436" bIns="45718" rtlCol="0">
+            <a:spAutoFit/>
+          </a:bodyPr>
+          <a:lstStyle/>
+          <a:p>
+            <a:pPr algn="ctr"/>
+            <a:r>
+              <a:rPr lang="zh-CN" altLang="en-US" sz="3600" dirty="0" smtClean="0">
+                <a:solidFill>
+                  <a:srgbClr val="FAFAFA"/>
+                </a:solidFill>
+                <a:latin typeface="微软雅黑" panose="020B0503020204020204" pitchFamily="34" charset="-122"/>
+              </a:rPr>
+              <a:t>展望</a:t>
+            </a:r>
+            <a:endParaRPr lang="zh-CN" altLang="en-US" sz="3600" dirty="0">
+              <a:solidFill>
+                <a:srgbClr val="FAFAFA"/>
+              </a:solidFill>
+              <a:latin typeface="微软雅黑" panose="020B0503020204020204" pitchFamily="34" charset="-122"/>
+            </a:endParaRPr>
+          </a:p>
+          <a:p>
+            <a:pPr algn="ctr"/>
+            <a:endParaRPr lang="zh-CN" altLang="en-US" sz="3600" dirty="0">
+              <a:solidFill>
+                <a:srgbClr val="FAFAFA"/>
+              </a:solidFill>
+              <a:latin typeface="微软雅黑" panose="020B0503020204020204" pitchFamily="34" charset="-122"/>
+              <a:ea typeface="微软雅黑" panose="020B0503020204020204" pitchFamily="34" charset="-122"/>
+            </a:endParaRPr>
+          </a:p>
+        </p:txBody>
+      </p:sp>
+      <p:graphicFrame>
+        <p:nvGraphicFramePr>
+          <p:cNvPr id="7" name="图示 6"/>
+          <p:cNvGraphicFramePr/>
+          <p:nvPr>
+            <p:extLst>
+              <p:ext uri="{D42A27DB-BD31-4B8C-83A1-F6EECF244321}">
+                <p14:modId xmlns:p14="http://schemas.microsoft.com/office/powerpoint/2010/main" val="615823278"/>
+              </p:ext>
+            </p:extLst>
+          </p:nvPr>
+        </p:nvGraphicFramePr>
+        <p:xfrm>
+          <a:off x="1633871" y="1373660"/>
+          <a:ext cx="9204263" cy="5037223"/>
+        </p:xfrm>
+        <a:graphic>
+          <a:graphicData uri="http://schemas.openxmlformats.org/drawingml/2006/diagram">
+            <dgm:relIds xmlns:dgm="http://schemas.openxmlformats.org/drawingml/2006/diagram" xmlns:r="http://schemas.openxmlformats.org/officeDocument/2006/relationships" r:dm="rId2" r:lo="rId3" r:qs="rId4" r:cs="rId5"/>
+          </a:graphicData>
+        </a:graphic>
+      </p:graphicFrame>
+      <p:grpSp>
+        <p:nvGrpSpPr>
+          <p:cNvPr id="8" name="组合 3"/>
+          <p:cNvGrpSpPr/>
+          <p:nvPr/>
+        </p:nvGrpSpPr>
+        <p:grpSpPr>
+          <a:xfrm rot="16200000">
+            <a:off x="562710" y="-24616"/>
+            <a:ext cx="1240524" cy="1267264"/>
+            <a:chOff x="0" y="1429044"/>
+            <a:chExt cx="3915508" cy="3999911"/>
+          </a:xfrm>
+        </p:grpSpPr>
+        <p:sp>
+          <p:nvSpPr>
+            <p:cNvPr id="9" name="流程图: 数据 1"/>
+            <p:cNvSpPr/>
+            <p:nvPr/>
+          </p:nvSpPr>
+          <p:spPr>
+            <a:xfrm rot="16200000">
+              <a:off x="-496743" y="2915127"/>
+              <a:ext cx="3010573" cy="2017084"/>
+            </a:xfrm>
+            <a:prstGeom prst="flowChartInputOutput">
+              <a:avLst/>
+            </a:prstGeom>
+            <a:solidFill>
+              <a:schemeClr val="accent6">
+                <a:lumMod val="50000"/>
+              </a:schemeClr>
+            </a:solidFill>
+            <a:ln>
+              <a:noFill/>
+            </a:ln>
+          </p:spPr>
+          <p:style>
+            <a:lnRef idx="2">
+              <a:schemeClr val="accent1">
+                <a:shade val="50000"/>
+              </a:schemeClr>
+            </a:lnRef>
+            <a:fillRef idx="1">
+              <a:schemeClr val="accent1"/>
+            </a:fillRef>
+            <a:effectRef idx="0">
+              <a:schemeClr val="accent1"/>
+            </a:effectRef>
+            <a:fontRef idx="minor">
+              <a:schemeClr val="lt1"/>
+            </a:fontRef>
+          </p:style>
+          <p:txBody>
+            <a:bodyPr rtlCol="0" anchor="ctr"/>
+            <a:lstStyle/>
+            <a:p>
+              <a:pPr algn="ctr"/>
+              <a:endParaRPr lang="zh-CN" altLang="en-US" sz="4800" dirty="0">
+                <a:latin typeface="微软雅黑" panose="020B0503020204020204" pitchFamily="34" charset="-122"/>
+                <a:ea typeface="微软雅黑" panose="020B0503020204020204" pitchFamily="34" charset="-122"/>
+              </a:endParaRPr>
+            </a:p>
+          </p:txBody>
+        </p:sp>
+        <p:sp>
+          <p:nvSpPr>
+            <p:cNvPr id="10" name="矩形 9"/>
+            <p:cNvSpPr/>
+            <p:nvPr/>
+          </p:nvSpPr>
+          <p:spPr>
+            <a:xfrm>
+              <a:off x="0" y="1429044"/>
+              <a:ext cx="3915508" cy="3423138"/>
+            </a:xfrm>
+            <a:prstGeom prst="rect">
+              <a:avLst/>
+            </a:prstGeom>
+            <a:solidFill>
+              <a:srgbClr val="70AD47"/>
+            </a:solidFill>
+            <a:ln>
+              <a:noFill/>
+            </a:ln>
+          </p:spPr>
+          <p:style>
+            <a:lnRef idx="2">
+              <a:schemeClr val="accent1">
+                <a:shade val="50000"/>
+              </a:schemeClr>
+            </a:lnRef>
+            <a:fillRef idx="1">
+              <a:schemeClr val="accent1"/>
+            </a:fillRef>
+            <a:effectRef idx="0">
+              <a:schemeClr val="accent1"/>
+            </a:effectRef>
+            <a:fontRef idx="minor">
+              <a:schemeClr val="lt1"/>
+            </a:fontRef>
+          </p:style>
+          <p:txBody>
+            <a:bodyPr vert="eaVert" rtlCol="0" anchor="ctr"/>
+            <a:lstStyle/>
+            <a:p>
+              <a:pPr algn="ctr"/>
+              <a:r>
+                <a:rPr lang="en-US" altLang="zh-CN" sz="4800" dirty="0" smtClean="0">
+                  <a:latin typeface="微软雅黑" panose="020B0503020204020204" pitchFamily="34" charset="-122"/>
+                  <a:ea typeface="微软雅黑" panose="020B0503020204020204" pitchFamily="34" charset="-122"/>
+                </a:rPr>
+                <a:t>5</a:t>
+              </a:r>
+              <a:endParaRPr lang="zh-CN" altLang="en-US" sz="4800" dirty="0">
+                <a:latin typeface="微软雅黑" panose="020B0503020204020204" pitchFamily="34" charset="-122"/>
+                <a:ea typeface="微软雅黑" panose="020B0503020204020204" pitchFamily="34" charset="-122"/>
+              </a:endParaRPr>
+            </a:p>
+          </p:txBody>
+        </p:sp>
+      </p:grpSp>
+    </p:spTree>
+    <p:extLst>
+      <p:ext uri="{BB962C8B-B14F-4D97-AF65-F5344CB8AC3E}">
+        <p14:creationId xmlns:p14="http://schemas.microsoft.com/office/powerpoint/2010/main" val="2855359195"/>
+      </p:ext>
+    </p:extLst>
+  </p:cSld>
+  <p:clrMapOvr>
+    <a:masterClrMapping/>
+  </p:clrMapOvr>
+  <mc:AlternateContent xmlns:mc="http://schemas.openxmlformats.org/markup-compatibility/2006" xmlns:p14="http://schemas.microsoft.com/office/powerpoint/2010/main">
+    <mc:Choice Requires="p14">
+      <p:transition spd="slow" p14:dur="2000"/>
+    </mc:Choice>
+    <mc:Fallback xmlns="">
+      <p:transition spd="slow"/>
+    </mc:Fallback>
+  </mc:AlternateContent>
+  <p:timing>
+    <p:tnLst>
+      <p:par>
+        <p:cTn id="1" dur="indefinite" restart="never" nodeType="tmRoot">
+          <p:childTnLst>
+            <p:seq concurrent="1" nextAc="seek">
+              <p:cTn id="2" dur="indefinite" nodeType="mainSeq">
+                <p:childTnLst>
+                  <p:par>
+                    <p:cTn id="3" fill="hold">
+                      <p:stCondLst>
+                        <p:cond delay="indefinite"/>
+                      </p:stCondLst>
+                      <p:childTnLst>
+                        <p:par>
+                          <p:cTn id="4" fill="hold">
+                            <p:stCondLst>
+                              <p:cond delay="0"/>
+                            </p:stCondLst>
+                            <p:childTnLst>
+                              <p:par>
+                                <p:cTn id="5" presetID="1" presetClass="entr" presetSubtype="0" fill="hold" grpId="0" nodeType="clickEffect">
+                                  <p:stCondLst>
+                                    <p:cond delay="0"/>
+                                  </p:stCondLst>
+                                  <p:childTnLst>
+                                    <p:set>
+                                      <p:cBhvr>
+                                        <p:cTn id="6" dur="1" fill="hold">
+                                          <p:stCondLst>
+                                            <p:cond delay="0"/>
+                                          </p:stCondLst>
+                                        </p:cTn>
+                                        <p:tgtEl>
+                                          <p:spTgt spid="7"/>
+                                        </p:tgtEl>
+                                        <p:attrNameLst>
+                                          <p:attrName>style.visibility</p:attrName>
+                                        </p:attrNameLst>
+                                      </p:cBhvr>
+                                      <p:to>
+                                        <p:strVal val="visible"/>
+                                      </p:to>
+                                    </p:set>
+                                  </p:childTnLst>
+                                </p:cTn>
+                              </p:par>
+                            </p:childTnLst>
+                          </p:cTn>
+                        </p:par>
+                      </p:childTnLst>
+                    </p:cTn>
+                  </p:par>
+                </p:childTnLst>
+              </p:cTn>
+              <p:prevCondLst>
+                <p:cond evt="onPrev" delay="0">
+                  <p:tgtEl>
+                    <p:sldTgt/>
+                  </p:tgtEl>
+                </p:cond>
+              </p:prevCondLst>
+              <p:nextCondLst>
+                <p:cond evt="onNext" delay="0">
+                  <p:tgtEl>
+                    <p:sldTgt/>
+                  </p:tgtEl>
+                </p:cond>
+              </p:nextCondLst>
+            </p:seq>
+          </p:childTnLst>
+        </p:cTn>
+      </p:par>
+    </p:tnLst>
+    <p:bldLst>
+      <p:bldGraphic spid="7" grpId="0">
+        <p:bldAsOne/>
+      </p:bldGraphic>
+    </p:bldLst>
+  </p:timing>
+</p:sld>
+</file>
+
+<file path=ppt/slides/slide21.xml><?xml version="1.0" encoding="utf-8"?>
+<p:sld xmlns:a="http://schemas.openxmlformats.org/drawingml/2006/main" xmlns:r="http://schemas.openxmlformats.org/officeDocument/2006/relationships" xmlns:p="http://schemas.openxmlformats.org/presentationml/2006/main">
+  <p:cSld>
+    <p:spTree>
+      <p:nvGrpSpPr>
+        <p:cNvPr id="1" name=""/>
+        <p:cNvGrpSpPr/>
+        <p:nvPr/>
+      </p:nvGrpSpPr>
+      <p:grpSpPr>
+        <a:xfrm>
+          <a:off x="0" y="0"/>
+          <a:ext cx="0" cy="0"/>
+          <a:chOff x="0" y="0"/>
+          <a:chExt cx="0" cy="0"/>
+        </a:xfrm>
+      </p:grpSpPr>
+      <p:sp>
+        <p:nvSpPr>
           <p:cNvPr id="6" name="矩形 5"/>
           <p:cNvSpPr/>
           <p:nvPr/>
@@ -21704,7 +22168,17 @@
                 <a:ea typeface="Arial Unicode MS" panose="020B0604020202020204" pitchFamily="34" charset="-122"/>
                 <a:cs typeface="Segoe UI" panose="020B0502040204020203" pitchFamily="34" charset="0"/>
               </a:rPr>
-              <a:t>The Graduation Thesis Plea of XXX university</a:t>
+              <a:t>The Graduation Thesis Plea of </a:t>
+            </a:r>
+            <a:r>
+              <a:rPr lang="en-US" altLang="zh-CN" sz="3200" b="1" dirty="0" smtClean="0">
+                <a:solidFill>
+                  <a:srgbClr val="FAFAFA"/>
+                </a:solidFill>
+                <a:ea typeface="Arial Unicode MS" panose="020B0604020202020204" pitchFamily="34" charset="-122"/>
+                <a:cs typeface="Segoe UI" panose="020B0502040204020203" pitchFamily="34" charset="0"/>
+              </a:rPr>
+              <a:t>BUPT university</a:t>
             </a:r>
             <a:endParaRPr lang="zh-CN" altLang="en-US" sz="3200" b="1" dirty="0">
               <a:solidFill>
@@ -21725,7 +22199,7 @@
         <p:spPr>
           <a:xfrm>
             <a:off x="6539896" y="4642449"/>
-            <a:ext cx="1818118" cy="400105"/>
+            <a:ext cx="2236502" cy="400105"/>
           </a:xfrm>
           <a:prstGeom prst="rect">
             <a:avLst/>
@@ -21748,8 +22222,41 @@
                 <a:latin typeface="微软雅黑" panose="020B0503020204020204" pitchFamily="34" charset="-122"/>
                 <a:ea typeface="微软雅黑" panose="020B0503020204020204" pitchFamily="34" charset="-122"/>
               </a:rPr>
-              <a:t>指导老师：***</a:t>
+              <a:t>指导老师</a:t>
             </a:r>
+            <a:r>
+              <a:rPr lang="zh-CN" altLang="en-US" sz="2000" dirty="0" smtClean="0">
+                <a:solidFill>
+                  <a:schemeClr val="accent1">
+                    <a:lumMod val="50000"/>
+                  </a:schemeClr>
+                </a:solidFill>
+                <a:latin typeface="微软雅黑" panose="020B0503020204020204" pitchFamily="34" charset="-122"/>
+                <a:ea typeface="微软雅黑" panose="020B0503020204020204" pitchFamily="34" charset="-122"/>
+              </a:rPr>
+              <a:t>：</a:t>
+            </a:r>
+            <a:r>
+              <a:rPr lang="zh-CN" altLang="en-US" sz="2000" dirty="0">
+                <a:solidFill>
+                  <a:schemeClr val="accent1">
+                    <a:lumMod val="50000"/>
+                  </a:schemeClr>
+                </a:solidFill>
+                <a:latin typeface="微软雅黑" panose="020B0503020204020204" pitchFamily="34" charset="-122"/>
+                <a:ea typeface="微软雅黑" panose="020B0503020204020204" pitchFamily="34" charset="-122"/>
+              </a:rPr>
+              <a:t>吴国仕</a:t>
+            </a:r>
+            <a:endParaRPr lang="zh-CN" altLang="en-US" sz="2000" dirty="0">
+              <a:solidFill>
+                <a:schemeClr val="accent1">
+                  <a:lumMod val="50000"/>
+                </a:schemeClr>
+              </a:solidFill>
+              <a:latin typeface="微软雅黑" panose="020B0503020204020204" pitchFamily="34" charset="-122"/>
+              <a:ea typeface="微软雅黑" panose="020B0503020204020204" pitchFamily="34" charset="-122"/>
+            </a:endParaRPr>
           </a:p>
         </p:txBody>
       </p:sp>
@@ -21762,7 +22269,7 @@
         <p:spPr>
           <a:xfrm>
             <a:off x="2931656" y="4642449"/>
-            <a:ext cx="1561638" cy="400105"/>
+            <a:ext cx="1723541" cy="400105"/>
           </a:xfrm>
           <a:prstGeom prst="rect">
             <a:avLst/>
@@ -21785,8 +22292,41 @@
                 <a:latin typeface="微软雅黑" panose="020B0503020204020204" pitchFamily="34" charset="-122"/>
                 <a:ea typeface="微软雅黑" panose="020B0503020204020204" pitchFamily="34" charset="-122"/>
               </a:rPr>
-              <a:t>答辩人：***</a:t>
+              <a:t>答辩人</a:t>
             </a:r>
+            <a:r>
+              <a:rPr lang="zh-CN" altLang="en-US" sz="2000" dirty="0" smtClean="0">
+                <a:solidFill>
+                  <a:schemeClr val="accent1">
+                    <a:lumMod val="50000"/>
+                  </a:schemeClr>
+                </a:solidFill>
+                <a:latin typeface="微软雅黑" panose="020B0503020204020204" pitchFamily="34" charset="-122"/>
+                <a:ea typeface="微软雅黑" panose="020B0503020204020204" pitchFamily="34" charset="-122"/>
+              </a:rPr>
+              <a:t>：</a:t>
+            </a:r>
+            <a:r>
+              <a:rPr lang="zh-CN" altLang="en-US" sz="2000" dirty="0">
+                <a:solidFill>
+                  <a:schemeClr val="accent1">
+                    <a:lumMod val="50000"/>
+                  </a:schemeClr>
+                </a:solidFill>
+                <a:latin typeface="微软雅黑" panose="020B0503020204020204" pitchFamily="34" charset="-122"/>
+                <a:ea typeface="微软雅黑" panose="020B0503020204020204" pitchFamily="34" charset="-122"/>
+              </a:rPr>
+              <a:t>赵炜</a:t>
+            </a:r>
+            <a:endParaRPr lang="zh-CN" altLang="en-US" sz="2000" dirty="0">
+              <a:solidFill>
+                <a:schemeClr val="accent1">
+                  <a:lumMod val="50000"/>
+                </a:schemeClr>
+              </a:solidFill>
+              <a:latin typeface="微软雅黑" panose="020B0503020204020204" pitchFamily="34" charset="-122"/>
+              <a:ea typeface="微软雅黑" panose="020B0503020204020204" pitchFamily="34" charset="-122"/>
+            </a:endParaRPr>
           </a:p>
         </p:txBody>
       </p:sp>
@@ -24806,12 +25346,6 @@
               </a:rPr>
               <a:t>总体设计</a:t>
             </a:r>
-            <a:endParaRPr lang="zh-CN" altLang="en-US" sz="3200" b="1" dirty="0">
-              <a:solidFill>
-                <a:schemeClr val="bg1"/>
-              </a:solidFill>
-              <a:latin typeface="微软雅黑" panose="020B0503020204020204" pitchFamily="34" charset="-122"/>
-            </a:endParaRPr>
           </a:p>
         </p:txBody>
       </p:sp>
@@ -25622,13 +26156,6 @@
               </a:rPr>
               <a:t>定律</a:t>
             </a:r>
-            <a:endParaRPr lang="zh-CN" altLang="en-US" sz="4800" dirty="0">
-              <a:solidFill>
-                <a:schemeClr val="bg1"/>
-              </a:solidFill>
-              <a:latin typeface="微软雅黑" panose="020B0503020204020204" pitchFamily="34" charset="-122"/>
-              <a:ea typeface="微软雅黑" panose="020B0503020204020204" pitchFamily="34" charset="-122"/>
-            </a:endParaRPr>
           </a:p>
         </p:txBody>
       </p:sp>
@@ -26675,12 +27202,6 @@
               </a:rPr>
               <a:t>总体设计</a:t>
             </a:r>
-            <a:endParaRPr lang="zh-CN" altLang="en-US" sz="3200" b="1" dirty="0">
-              <a:solidFill>
-                <a:schemeClr val="bg1"/>
-              </a:solidFill>
-              <a:latin typeface="微软雅黑" panose="020B0503020204020204" pitchFamily="34" charset="-122"/>
-            </a:endParaRPr>
           </a:p>
         </p:txBody>
       </p:sp>
